--- a/pics/2021-05-01-modeling_with_differential_equation/pics.pptx
+++ b/pics/2021-05-01-modeling_with_differential_equation/pics.pptx
@@ -6,6 +6,9 @@
   </p:sldMasterIdLst>
   <p:sldIdLst>
     <p:sldId id="256" r:id="rId2"/>
+    <p:sldId id="257" r:id="rId3"/>
+    <p:sldId id="258" r:id="rId4"/>
+    <p:sldId id="259" r:id="rId5"/>
   </p:sldIdLst>
   <p:sldSz cx="9144000" cy="6858000" type="screen4x3"/>
   <p:notesSz cx="6858000" cy="9144000"/>
@@ -104,6 +107,22 @@
       </a:defRPr>
     </a:lvl9pPr>
   </p:defaultTextStyle>
+  <p:extLst>
+    <p:ext uri="{EFAFB233-063F-42B5-8137-9DF3F51BA10A}">
+      <p15:sldGuideLst xmlns:p15="http://schemas.microsoft.com/office/powerpoint/2012/main">
+        <p15:guide id="1" orient="horz" pos="2160">
+          <p15:clr>
+            <a:srgbClr val="A4A3A4"/>
+          </p15:clr>
+        </p15:guide>
+        <p15:guide id="2" pos="2880">
+          <p15:clr>
+            <a:srgbClr val="A4A3A4"/>
+          </p15:clr>
+        </p15:guide>
+      </p15:sldGuideLst>
+    </p:ext>
+  </p:extLst>
 </p:presentation>
 </file>
 
@@ -145,10 +164,9 @@
           <a:lstStyle/>
           <a:p>
             <a:r>
-              <a:rPr lang="ko-KR" altLang="en-US" smtClean="0"/>
+              <a:rPr lang="ko-KR" altLang="en-US"/>
               <a:t>마스터 제목 스타일 편집</a:t>
             </a:r>
-            <a:endParaRPr lang="ko-KR" altLang="en-US"/>
           </a:p>
         </p:txBody>
       </p:sp>
@@ -264,10 +282,9 @@
           </a:lstStyle>
           <a:p>
             <a:r>
-              <a:rPr lang="ko-KR" altLang="en-US" smtClean="0"/>
+              <a:rPr lang="ko-KR" altLang="en-US"/>
               <a:t>마스터 부제목 스타일 편집</a:t>
             </a:r>
-            <a:endParaRPr lang="ko-KR" altLang="en-US"/>
           </a:p>
         </p:txBody>
       </p:sp>
@@ -288,7 +305,7 @@
           <a:p>
             <a:fld id="{4D236A1B-E8BD-4CAF-B16D-704FB0FFCC70}" type="datetimeFigureOut">
               <a:rPr lang="ko-KR" altLang="en-US" smtClean="0"/>
-              <a:t>2021-04-30</a:t>
+              <a:t>2021-05-04</a:t>
             </a:fld>
             <a:endParaRPr lang="ko-KR" altLang="en-US"/>
           </a:p>
@@ -382,10 +399,9 @@
           <a:lstStyle/>
           <a:p>
             <a:r>
-              <a:rPr lang="ko-KR" altLang="en-US" smtClean="0"/>
+              <a:rPr lang="ko-KR" altLang="en-US"/>
               <a:t>마스터 제목 스타일 편집</a:t>
             </a:r>
-            <a:endParaRPr lang="ko-KR" altLang="en-US"/>
           </a:p>
         </p:txBody>
       </p:sp>
@@ -406,38 +422,37 @@
           <a:p>
             <a:pPr lvl="0"/>
             <a:r>
-              <a:rPr lang="ko-KR" altLang="en-US" smtClean="0"/>
+              <a:rPr lang="ko-KR" altLang="en-US"/>
               <a:t>마스터 텍스트 스타일을 편집합니다</a:t>
             </a:r>
           </a:p>
           <a:p>
             <a:pPr lvl="1"/>
             <a:r>
-              <a:rPr lang="ko-KR" altLang="en-US" smtClean="0"/>
+              <a:rPr lang="ko-KR" altLang="en-US"/>
               <a:t>둘째 수준</a:t>
             </a:r>
           </a:p>
           <a:p>
             <a:pPr lvl="2"/>
             <a:r>
-              <a:rPr lang="ko-KR" altLang="en-US" smtClean="0"/>
+              <a:rPr lang="ko-KR" altLang="en-US"/>
               <a:t>셋째 수준</a:t>
             </a:r>
           </a:p>
           <a:p>
             <a:pPr lvl="3"/>
             <a:r>
-              <a:rPr lang="ko-KR" altLang="en-US" smtClean="0"/>
+              <a:rPr lang="ko-KR" altLang="en-US"/>
               <a:t>넷째 수준</a:t>
             </a:r>
           </a:p>
           <a:p>
             <a:pPr lvl="4"/>
             <a:r>
-              <a:rPr lang="ko-KR" altLang="en-US" smtClean="0"/>
+              <a:rPr lang="ko-KR" altLang="en-US"/>
               <a:t>다섯째 수준</a:t>
             </a:r>
-            <a:endParaRPr lang="ko-KR" altLang="en-US"/>
           </a:p>
         </p:txBody>
       </p:sp>
@@ -458,7 +473,7 @@
           <a:p>
             <a:fld id="{4D236A1B-E8BD-4CAF-B16D-704FB0FFCC70}" type="datetimeFigureOut">
               <a:rPr lang="ko-KR" altLang="en-US" smtClean="0"/>
-              <a:t>2021-04-30</a:t>
+              <a:t>2021-05-04</a:t>
             </a:fld>
             <a:endParaRPr lang="ko-KR" altLang="en-US"/>
           </a:p>
@@ -557,10 +572,9 @@
           <a:lstStyle/>
           <a:p>
             <a:r>
-              <a:rPr lang="ko-KR" altLang="en-US" smtClean="0"/>
+              <a:rPr lang="ko-KR" altLang="en-US"/>
               <a:t>마스터 제목 스타일 편집</a:t>
             </a:r>
-            <a:endParaRPr lang="ko-KR" altLang="en-US"/>
           </a:p>
         </p:txBody>
       </p:sp>
@@ -586,38 +600,37 @@
           <a:p>
             <a:pPr lvl="0"/>
             <a:r>
-              <a:rPr lang="ko-KR" altLang="en-US" smtClean="0"/>
+              <a:rPr lang="ko-KR" altLang="en-US"/>
               <a:t>마스터 텍스트 스타일을 편집합니다</a:t>
             </a:r>
           </a:p>
           <a:p>
             <a:pPr lvl="1"/>
             <a:r>
-              <a:rPr lang="ko-KR" altLang="en-US" smtClean="0"/>
+              <a:rPr lang="ko-KR" altLang="en-US"/>
               <a:t>둘째 수준</a:t>
             </a:r>
           </a:p>
           <a:p>
             <a:pPr lvl="2"/>
             <a:r>
-              <a:rPr lang="ko-KR" altLang="en-US" smtClean="0"/>
+              <a:rPr lang="ko-KR" altLang="en-US"/>
               <a:t>셋째 수준</a:t>
             </a:r>
           </a:p>
           <a:p>
             <a:pPr lvl="3"/>
             <a:r>
-              <a:rPr lang="ko-KR" altLang="en-US" smtClean="0"/>
+              <a:rPr lang="ko-KR" altLang="en-US"/>
               <a:t>넷째 수준</a:t>
             </a:r>
           </a:p>
           <a:p>
             <a:pPr lvl="4"/>
             <a:r>
-              <a:rPr lang="ko-KR" altLang="en-US" smtClean="0"/>
+              <a:rPr lang="ko-KR" altLang="en-US"/>
               <a:t>다섯째 수준</a:t>
             </a:r>
-            <a:endParaRPr lang="ko-KR" altLang="en-US"/>
           </a:p>
         </p:txBody>
       </p:sp>
@@ -638,7 +651,7 @@
           <a:p>
             <a:fld id="{4D236A1B-E8BD-4CAF-B16D-704FB0FFCC70}" type="datetimeFigureOut">
               <a:rPr lang="ko-KR" altLang="en-US" smtClean="0"/>
-              <a:t>2021-04-30</a:t>
+              <a:t>2021-05-04</a:t>
             </a:fld>
             <a:endParaRPr lang="ko-KR" altLang="en-US"/>
           </a:p>
@@ -732,10 +745,9 @@
           <a:lstStyle/>
           <a:p>
             <a:r>
-              <a:rPr lang="ko-KR" altLang="en-US" smtClean="0"/>
+              <a:rPr lang="ko-KR" altLang="en-US"/>
               <a:t>마스터 제목 스타일 편집</a:t>
             </a:r>
-            <a:endParaRPr lang="ko-KR" altLang="en-US"/>
           </a:p>
         </p:txBody>
       </p:sp>
@@ -756,38 +768,37 @@
           <a:p>
             <a:pPr lvl="0"/>
             <a:r>
-              <a:rPr lang="ko-KR" altLang="en-US" smtClean="0"/>
+              <a:rPr lang="ko-KR" altLang="en-US"/>
               <a:t>마스터 텍스트 스타일을 편집합니다</a:t>
             </a:r>
           </a:p>
           <a:p>
             <a:pPr lvl="1"/>
             <a:r>
-              <a:rPr lang="ko-KR" altLang="en-US" smtClean="0"/>
+              <a:rPr lang="ko-KR" altLang="en-US"/>
               <a:t>둘째 수준</a:t>
             </a:r>
           </a:p>
           <a:p>
             <a:pPr lvl="2"/>
             <a:r>
-              <a:rPr lang="ko-KR" altLang="en-US" smtClean="0"/>
+              <a:rPr lang="ko-KR" altLang="en-US"/>
               <a:t>셋째 수준</a:t>
             </a:r>
           </a:p>
           <a:p>
             <a:pPr lvl="3"/>
             <a:r>
-              <a:rPr lang="ko-KR" altLang="en-US" smtClean="0"/>
+              <a:rPr lang="ko-KR" altLang="en-US"/>
               <a:t>넷째 수준</a:t>
             </a:r>
           </a:p>
           <a:p>
             <a:pPr lvl="4"/>
             <a:r>
-              <a:rPr lang="ko-KR" altLang="en-US" smtClean="0"/>
+              <a:rPr lang="ko-KR" altLang="en-US"/>
               <a:t>다섯째 수준</a:t>
             </a:r>
-            <a:endParaRPr lang="ko-KR" altLang="en-US"/>
           </a:p>
         </p:txBody>
       </p:sp>
@@ -808,7 +819,7 @@
           <a:p>
             <a:fld id="{4D236A1B-E8BD-4CAF-B16D-704FB0FFCC70}" type="datetimeFigureOut">
               <a:rPr lang="ko-KR" altLang="en-US" smtClean="0"/>
-              <a:t>2021-04-30</a:t>
+              <a:t>2021-05-04</a:t>
             </a:fld>
             <a:endParaRPr lang="ko-KR" altLang="en-US"/>
           </a:p>
@@ -911,10 +922,9 @@
           </a:lstStyle>
           <a:p>
             <a:r>
-              <a:rPr lang="ko-KR" altLang="en-US" smtClean="0"/>
+              <a:rPr lang="ko-KR" altLang="en-US"/>
               <a:t>마스터 제목 스타일 편집</a:t>
             </a:r>
-            <a:endParaRPr lang="ko-KR" altLang="en-US"/>
           </a:p>
         </p:txBody>
       </p:sp>
@@ -1031,7 +1041,7 @@
           <a:p>
             <a:pPr lvl="0"/>
             <a:r>
-              <a:rPr lang="ko-KR" altLang="en-US" smtClean="0"/>
+              <a:rPr lang="ko-KR" altLang="en-US"/>
               <a:t>마스터 텍스트 스타일을 편집합니다</a:t>
             </a:r>
           </a:p>
@@ -1054,7 +1064,7 @@
           <a:p>
             <a:fld id="{4D236A1B-E8BD-4CAF-B16D-704FB0FFCC70}" type="datetimeFigureOut">
               <a:rPr lang="ko-KR" altLang="en-US" smtClean="0"/>
-              <a:t>2021-04-30</a:t>
+              <a:t>2021-05-04</a:t>
             </a:fld>
             <a:endParaRPr lang="ko-KR" altLang="en-US"/>
           </a:p>
@@ -1148,10 +1158,9 @@
           <a:lstStyle/>
           <a:p>
             <a:r>
-              <a:rPr lang="ko-KR" altLang="en-US" smtClean="0"/>
+              <a:rPr lang="ko-KR" altLang="en-US"/>
               <a:t>마스터 제목 스타일 편집</a:t>
             </a:r>
-            <a:endParaRPr lang="ko-KR" altLang="en-US"/>
           </a:p>
         </p:txBody>
       </p:sp>
@@ -1205,38 +1214,37 @@
           <a:p>
             <a:pPr lvl="0"/>
             <a:r>
-              <a:rPr lang="ko-KR" altLang="en-US" smtClean="0"/>
+              <a:rPr lang="ko-KR" altLang="en-US"/>
               <a:t>마스터 텍스트 스타일을 편집합니다</a:t>
             </a:r>
           </a:p>
           <a:p>
             <a:pPr lvl="1"/>
             <a:r>
-              <a:rPr lang="ko-KR" altLang="en-US" smtClean="0"/>
+              <a:rPr lang="ko-KR" altLang="en-US"/>
               <a:t>둘째 수준</a:t>
             </a:r>
           </a:p>
           <a:p>
             <a:pPr lvl="2"/>
             <a:r>
-              <a:rPr lang="ko-KR" altLang="en-US" smtClean="0"/>
+              <a:rPr lang="ko-KR" altLang="en-US"/>
               <a:t>셋째 수준</a:t>
             </a:r>
           </a:p>
           <a:p>
             <a:pPr lvl="3"/>
             <a:r>
-              <a:rPr lang="ko-KR" altLang="en-US" smtClean="0"/>
+              <a:rPr lang="ko-KR" altLang="en-US"/>
               <a:t>넷째 수준</a:t>
             </a:r>
           </a:p>
           <a:p>
             <a:pPr lvl="4"/>
             <a:r>
-              <a:rPr lang="ko-KR" altLang="en-US" smtClean="0"/>
+              <a:rPr lang="ko-KR" altLang="en-US"/>
               <a:t>다섯째 수준</a:t>
             </a:r>
-            <a:endParaRPr lang="ko-KR" altLang="en-US"/>
           </a:p>
         </p:txBody>
       </p:sp>
@@ -1290,38 +1298,37 @@
           <a:p>
             <a:pPr lvl="0"/>
             <a:r>
-              <a:rPr lang="ko-KR" altLang="en-US" smtClean="0"/>
+              <a:rPr lang="ko-KR" altLang="en-US"/>
               <a:t>마스터 텍스트 스타일을 편집합니다</a:t>
             </a:r>
           </a:p>
           <a:p>
             <a:pPr lvl="1"/>
             <a:r>
-              <a:rPr lang="ko-KR" altLang="en-US" smtClean="0"/>
+              <a:rPr lang="ko-KR" altLang="en-US"/>
               <a:t>둘째 수준</a:t>
             </a:r>
           </a:p>
           <a:p>
             <a:pPr lvl="2"/>
             <a:r>
-              <a:rPr lang="ko-KR" altLang="en-US" smtClean="0"/>
+              <a:rPr lang="ko-KR" altLang="en-US"/>
               <a:t>셋째 수준</a:t>
             </a:r>
           </a:p>
           <a:p>
             <a:pPr lvl="3"/>
             <a:r>
-              <a:rPr lang="ko-KR" altLang="en-US" smtClean="0"/>
+              <a:rPr lang="ko-KR" altLang="en-US"/>
               <a:t>넷째 수준</a:t>
             </a:r>
           </a:p>
           <a:p>
             <a:pPr lvl="4"/>
             <a:r>
-              <a:rPr lang="ko-KR" altLang="en-US" smtClean="0"/>
+              <a:rPr lang="ko-KR" altLang="en-US"/>
               <a:t>다섯째 수준</a:t>
             </a:r>
-            <a:endParaRPr lang="ko-KR" altLang="en-US"/>
           </a:p>
         </p:txBody>
       </p:sp>
@@ -1342,7 +1349,7 @@
           <a:p>
             <a:fld id="{4D236A1B-E8BD-4CAF-B16D-704FB0FFCC70}" type="datetimeFigureOut">
               <a:rPr lang="ko-KR" altLang="en-US" smtClean="0"/>
-              <a:t>2021-04-30</a:t>
+              <a:t>2021-05-04</a:t>
             </a:fld>
             <a:endParaRPr lang="ko-KR" altLang="en-US"/>
           </a:p>
@@ -1440,10 +1447,9 @@
           </a:lstStyle>
           <a:p>
             <a:r>
-              <a:rPr lang="ko-KR" altLang="en-US" smtClean="0"/>
+              <a:rPr lang="ko-KR" altLang="en-US"/>
               <a:t>마스터 제목 스타일 편집</a:t>
             </a:r>
-            <a:endParaRPr lang="ko-KR" altLang="en-US"/>
           </a:p>
         </p:txBody>
       </p:sp>
@@ -1506,7 +1512,7 @@
           <a:p>
             <a:pPr lvl="0"/>
             <a:r>
-              <a:rPr lang="ko-KR" altLang="en-US" smtClean="0"/>
+              <a:rPr lang="ko-KR" altLang="en-US"/>
               <a:t>마스터 텍스트 스타일을 편집합니다</a:t>
             </a:r>
           </a:p>
@@ -1562,38 +1568,37 @@
           <a:p>
             <a:pPr lvl="0"/>
             <a:r>
-              <a:rPr lang="ko-KR" altLang="en-US" smtClean="0"/>
+              <a:rPr lang="ko-KR" altLang="en-US"/>
               <a:t>마스터 텍스트 스타일을 편집합니다</a:t>
             </a:r>
           </a:p>
           <a:p>
             <a:pPr lvl="1"/>
             <a:r>
-              <a:rPr lang="ko-KR" altLang="en-US" smtClean="0"/>
+              <a:rPr lang="ko-KR" altLang="en-US"/>
               <a:t>둘째 수준</a:t>
             </a:r>
           </a:p>
           <a:p>
             <a:pPr lvl="2"/>
             <a:r>
-              <a:rPr lang="ko-KR" altLang="en-US" smtClean="0"/>
+              <a:rPr lang="ko-KR" altLang="en-US"/>
               <a:t>셋째 수준</a:t>
             </a:r>
           </a:p>
           <a:p>
             <a:pPr lvl="3"/>
             <a:r>
-              <a:rPr lang="ko-KR" altLang="en-US" smtClean="0"/>
+              <a:rPr lang="ko-KR" altLang="en-US"/>
               <a:t>넷째 수준</a:t>
             </a:r>
           </a:p>
           <a:p>
             <a:pPr lvl="4"/>
             <a:r>
-              <a:rPr lang="ko-KR" altLang="en-US" smtClean="0"/>
+              <a:rPr lang="ko-KR" altLang="en-US"/>
               <a:t>다섯째 수준</a:t>
             </a:r>
-            <a:endParaRPr lang="ko-KR" altLang="en-US"/>
           </a:p>
         </p:txBody>
       </p:sp>
@@ -1656,7 +1661,7 @@
           <a:p>
             <a:pPr lvl="0"/>
             <a:r>
-              <a:rPr lang="ko-KR" altLang="en-US" smtClean="0"/>
+              <a:rPr lang="ko-KR" altLang="en-US"/>
               <a:t>마스터 텍스트 스타일을 편집합니다</a:t>
             </a:r>
           </a:p>
@@ -1712,38 +1717,37 @@
           <a:p>
             <a:pPr lvl="0"/>
             <a:r>
-              <a:rPr lang="ko-KR" altLang="en-US" smtClean="0"/>
+              <a:rPr lang="ko-KR" altLang="en-US"/>
               <a:t>마스터 텍스트 스타일을 편집합니다</a:t>
             </a:r>
           </a:p>
           <a:p>
             <a:pPr lvl="1"/>
             <a:r>
-              <a:rPr lang="ko-KR" altLang="en-US" smtClean="0"/>
+              <a:rPr lang="ko-KR" altLang="en-US"/>
               <a:t>둘째 수준</a:t>
             </a:r>
           </a:p>
           <a:p>
             <a:pPr lvl="2"/>
             <a:r>
-              <a:rPr lang="ko-KR" altLang="en-US" smtClean="0"/>
+              <a:rPr lang="ko-KR" altLang="en-US"/>
               <a:t>셋째 수준</a:t>
             </a:r>
           </a:p>
           <a:p>
             <a:pPr lvl="3"/>
             <a:r>
-              <a:rPr lang="ko-KR" altLang="en-US" smtClean="0"/>
+              <a:rPr lang="ko-KR" altLang="en-US"/>
               <a:t>넷째 수준</a:t>
             </a:r>
           </a:p>
           <a:p>
             <a:pPr lvl="4"/>
             <a:r>
-              <a:rPr lang="ko-KR" altLang="en-US" smtClean="0"/>
+              <a:rPr lang="ko-KR" altLang="en-US"/>
               <a:t>다섯째 수준</a:t>
             </a:r>
-            <a:endParaRPr lang="ko-KR" altLang="en-US"/>
           </a:p>
         </p:txBody>
       </p:sp>
@@ -1764,7 +1768,7 @@
           <a:p>
             <a:fld id="{4D236A1B-E8BD-4CAF-B16D-704FB0FFCC70}" type="datetimeFigureOut">
               <a:rPr lang="ko-KR" altLang="en-US" smtClean="0"/>
-              <a:t>2021-04-30</a:t>
+              <a:t>2021-05-04</a:t>
             </a:fld>
             <a:endParaRPr lang="ko-KR" altLang="en-US"/>
           </a:p>
@@ -1858,10 +1862,9 @@
           <a:lstStyle/>
           <a:p>
             <a:r>
-              <a:rPr lang="ko-KR" altLang="en-US" smtClean="0"/>
+              <a:rPr lang="ko-KR" altLang="en-US"/>
               <a:t>마스터 제목 스타일 편집</a:t>
             </a:r>
-            <a:endParaRPr lang="ko-KR" altLang="en-US"/>
           </a:p>
         </p:txBody>
       </p:sp>
@@ -1882,7 +1885,7 @@
           <a:p>
             <a:fld id="{4D236A1B-E8BD-4CAF-B16D-704FB0FFCC70}" type="datetimeFigureOut">
               <a:rPr lang="ko-KR" altLang="en-US" smtClean="0"/>
-              <a:t>2021-04-30</a:t>
+              <a:t>2021-05-04</a:t>
             </a:fld>
             <a:endParaRPr lang="ko-KR" altLang="en-US"/>
           </a:p>
@@ -1977,7 +1980,7 @@
           <a:p>
             <a:fld id="{4D236A1B-E8BD-4CAF-B16D-704FB0FFCC70}" type="datetimeFigureOut">
               <a:rPr lang="ko-KR" altLang="en-US" smtClean="0"/>
-              <a:t>2021-04-30</a:t>
+              <a:t>2021-05-04</a:t>
             </a:fld>
             <a:endParaRPr lang="ko-KR" altLang="en-US"/>
           </a:p>
@@ -2080,10 +2083,9 @@
           </a:lstStyle>
           <a:p>
             <a:r>
-              <a:rPr lang="ko-KR" altLang="en-US" smtClean="0"/>
+              <a:rPr lang="ko-KR" altLang="en-US"/>
               <a:t>마스터 제목 스타일 편집</a:t>
             </a:r>
-            <a:endParaRPr lang="ko-KR" altLang="en-US"/>
           </a:p>
         </p:txBody>
       </p:sp>
@@ -2137,38 +2139,37 @@
           <a:p>
             <a:pPr lvl="0"/>
             <a:r>
-              <a:rPr lang="ko-KR" altLang="en-US" smtClean="0"/>
+              <a:rPr lang="ko-KR" altLang="en-US"/>
               <a:t>마스터 텍스트 스타일을 편집합니다</a:t>
             </a:r>
           </a:p>
           <a:p>
             <a:pPr lvl="1"/>
             <a:r>
-              <a:rPr lang="ko-KR" altLang="en-US" smtClean="0"/>
+              <a:rPr lang="ko-KR" altLang="en-US"/>
               <a:t>둘째 수준</a:t>
             </a:r>
           </a:p>
           <a:p>
             <a:pPr lvl="2"/>
             <a:r>
-              <a:rPr lang="ko-KR" altLang="en-US" smtClean="0"/>
+              <a:rPr lang="ko-KR" altLang="en-US"/>
               <a:t>셋째 수준</a:t>
             </a:r>
           </a:p>
           <a:p>
             <a:pPr lvl="3"/>
             <a:r>
-              <a:rPr lang="ko-KR" altLang="en-US" smtClean="0"/>
+              <a:rPr lang="ko-KR" altLang="en-US"/>
               <a:t>넷째 수준</a:t>
             </a:r>
           </a:p>
           <a:p>
             <a:pPr lvl="4"/>
             <a:r>
-              <a:rPr lang="ko-KR" altLang="en-US" smtClean="0"/>
+              <a:rPr lang="ko-KR" altLang="en-US"/>
               <a:t>다섯째 수준</a:t>
             </a:r>
-            <a:endParaRPr lang="ko-KR" altLang="en-US"/>
           </a:p>
         </p:txBody>
       </p:sp>
@@ -2231,7 +2232,7 @@
           <a:p>
             <a:pPr lvl="0"/>
             <a:r>
-              <a:rPr lang="ko-KR" altLang="en-US" smtClean="0"/>
+              <a:rPr lang="ko-KR" altLang="en-US"/>
               <a:t>마스터 텍스트 스타일을 편집합니다</a:t>
             </a:r>
           </a:p>
@@ -2254,7 +2255,7 @@
           <a:p>
             <a:fld id="{4D236A1B-E8BD-4CAF-B16D-704FB0FFCC70}" type="datetimeFigureOut">
               <a:rPr lang="ko-KR" altLang="en-US" smtClean="0"/>
-              <a:t>2021-04-30</a:t>
+              <a:t>2021-05-04</a:t>
             </a:fld>
             <a:endParaRPr lang="ko-KR" altLang="en-US"/>
           </a:p>
@@ -2357,10 +2358,9 @@
           </a:lstStyle>
           <a:p>
             <a:r>
-              <a:rPr lang="ko-KR" altLang="en-US" smtClean="0"/>
+              <a:rPr lang="ko-KR" altLang="en-US"/>
               <a:t>마스터 제목 스타일 편집</a:t>
             </a:r>
-            <a:endParaRPr lang="ko-KR" altLang="en-US"/>
           </a:p>
         </p:txBody>
       </p:sp>
@@ -2484,7 +2484,7 @@
           <a:p>
             <a:pPr lvl="0"/>
             <a:r>
-              <a:rPr lang="ko-KR" altLang="en-US" smtClean="0"/>
+              <a:rPr lang="ko-KR" altLang="en-US"/>
               <a:t>마스터 텍스트 스타일을 편집합니다</a:t>
             </a:r>
           </a:p>
@@ -2507,7 +2507,7 @@
           <a:p>
             <a:fld id="{4D236A1B-E8BD-4CAF-B16D-704FB0FFCC70}" type="datetimeFigureOut">
               <a:rPr lang="ko-KR" altLang="en-US" smtClean="0"/>
-              <a:t>2021-04-30</a:t>
+              <a:t>2021-05-04</a:t>
             </a:fld>
             <a:endParaRPr lang="ko-KR" altLang="en-US"/>
           </a:p>
@@ -2616,10 +2616,9 @@
           <a:lstStyle/>
           <a:p>
             <a:r>
-              <a:rPr lang="ko-KR" altLang="en-US" smtClean="0"/>
+              <a:rPr lang="ko-KR" altLang="en-US"/>
               <a:t>마스터 제목 스타일 편집</a:t>
             </a:r>
-            <a:endParaRPr lang="ko-KR" altLang="en-US"/>
           </a:p>
         </p:txBody>
       </p:sp>
@@ -2650,38 +2649,37 @@
           <a:p>
             <a:pPr lvl="0"/>
             <a:r>
-              <a:rPr lang="ko-KR" altLang="en-US" smtClean="0"/>
+              <a:rPr lang="ko-KR" altLang="en-US"/>
               <a:t>마스터 텍스트 스타일을 편집합니다</a:t>
             </a:r>
           </a:p>
           <a:p>
             <a:pPr lvl="1"/>
             <a:r>
-              <a:rPr lang="ko-KR" altLang="en-US" smtClean="0"/>
+              <a:rPr lang="ko-KR" altLang="en-US"/>
               <a:t>둘째 수준</a:t>
             </a:r>
           </a:p>
           <a:p>
             <a:pPr lvl="2"/>
             <a:r>
-              <a:rPr lang="ko-KR" altLang="en-US" smtClean="0"/>
+              <a:rPr lang="ko-KR" altLang="en-US"/>
               <a:t>셋째 수준</a:t>
             </a:r>
           </a:p>
           <a:p>
             <a:pPr lvl="3"/>
             <a:r>
-              <a:rPr lang="ko-KR" altLang="en-US" smtClean="0"/>
+              <a:rPr lang="ko-KR" altLang="en-US"/>
               <a:t>넷째 수준</a:t>
             </a:r>
           </a:p>
           <a:p>
             <a:pPr lvl="4"/>
             <a:r>
-              <a:rPr lang="ko-KR" altLang="en-US" smtClean="0"/>
+              <a:rPr lang="ko-KR" altLang="en-US"/>
               <a:t>다섯째 수준</a:t>
             </a:r>
-            <a:endParaRPr lang="ko-KR" altLang="en-US"/>
           </a:p>
         </p:txBody>
       </p:sp>
@@ -2720,7 +2718,7 @@
           <a:p>
             <a:fld id="{4D236A1B-E8BD-4CAF-B16D-704FB0FFCC70}" type="datetimeFigureOut">
               <a:rPr lang="ko-KR" altLang="en-US" smtClean="0"/>
-              <a:t>2021-04-30</a:t>
+              <a:t>2021-05-04</a:t>
             </a:fld>
             <a:endParaRPr lang="ko-KR" altLang="en-US"/>
           </a:p>
@@ -3172,6 +3170,186 @@
 </p:sld>
 </file>
 
+<file path=ppt/slides/slide2.xml><?xml version="1.0" encoding="utf-8"?>
+<p:sld xmlns:a="http://schemas.openxmlformats.org/drawingml/2006/main" xmlns:r="http://schemas.openxmlformats.org/officeDocument/2006/relationships" xmlns:p="http://schemas.openxmlformats.org/presentationml/2006/main">
+  <p:cSld>
+    <p:spTree>
+      <p:nvGrpSpPr>
+        <p:cNvPr id="1" name=""/>
+        <p:cNvGrpSpPr/>
+        <p:nvPr/>
+      </p:nvGrpSpPr>
+      <p:grpSpPr>
+        <a:xfrm>
+          <a:off x="0" y="0"/>
+          <a:ext cx="0" cy="0"/>
+          <a:chOff x="0" y="0"/>
+          <a:chExt cx="0" cy="0"/>
+        </a:xfrm>
+      </p:grpSpPr>
+      <p:pic>
+        <p:nvPicPr>
+          <p:cNvPr id="5" name="그림 4">
+            <a:extLst>
+              <a:ext uri="{FF2B5EF4-FFF2-40B4-BE49-F238E27FC236}">
+                <a16:creationId xmlns:a16="http://schemas.microsoft.com/office/drawing/2014/main" id="{C89061E5-AF31-4AB3-9D08-709568632885}"/>
+              </a:ext>
+            </a:extLst>
+          </p:cNvPr>
+          <p:cNvPicPr>
+            <a:picLocks noChangeAspect="1"/>
+          </p:cNvPicPr>
+          <p:nvPr/>
+        </p:nvPicPr>
+        <p:blipFill>
+          <a:blip r:embed="rId2"/>
+          <a:stretch>
+            <a:fillRect/>
+          </a:stretch>
+        </p:blipFill>
+        <p:spPr>
+          <a:xfrm>
+            <a:off x="107504" y="2051599"/>
+            <a:ext cx="8928992" cy="2754802"/>
+          </a:xfrm>
+          <a:prstGeom prst="rect">
+            <a:avLst/>
+          </a:prstGeom>
+        </p:spPr>
+      </p:pic>
+    </p:spTree>
+    <p:extLst>
+      <p:ext uri="{BB962C8B-B14F-4D97-AF65-F5344CB8AC3E}">
+        <p14:creationId xmlns:p14="http://schemas.microsoft.com/office/powerpoint/2010/main" val="3362609239"/>
+      </p:ext>
+    </p:extLst>
+  </p:cSld>
+  <p:clrMapOvr>
+    <a:masterClrMapping/>
+  </p:clrMapOvr>
+</p:sld>
+</file>
+
+<file path=ppt/slides/slide3.xml><?xml version="1.0" encoding="utf-8"?>
+<p:sld xmlns:a="http://schemas.openxmlformats.org/drawingml/2006/main" xmlns:r="http://schemas.openxmlformats.org/officeDocument/2006/relationships" xmlns:p="http://schemas.openxmlformats.org/presentationml/2006/main">
+  <p:cSld>
+    <p:spTree>
+      <p:nvGrpSpPr>
+        <p:cNvPr id="1" name=""/>
+        <p:cNvGrpSpPr/>
+        <p:nvPr/>
+      </p:nvGrpSpPr>
+      <p:grpSpPr>
+        <a:xfrm>
+          <a:off x="0" y="0"/>
+          <a:ext cx="0" cy="0"/>
+          <a:chOff x="0" y="0"/>
+          <a:chExt cx="0" cy="0"/>
+        </a:xfrm>
+      </p:grpSpPr>
+      <p:pic>
+        <p:nvPicPr>
+          <p:cNvPr id="5" name="그림 4">
+            <a:extLst>
+              <a:ext uri="{FF2B5EF4-FFF2-40B4-BE49-F238E27FC236}">
+                <a16:creationId xmlns:a16="http://schemas.microsoft.com/office/drawing/2014/main" id="{14F56619-AAA3-4EF7-B40B-DAEAA3EA2483}"/>
+              </a:ext>
+            </a:extLst>
+          </p:cNvPr>
+          <p:cNvPicPr>
+            <a:picLocks noChangeAspect="1"/>
+          </p:cNvPicPr>
+          <p:nvPr/>
+        </p:nvPicPr>
+        <p:blipFill>
+          <a:blip r:embed="rId2"/>
+          <a:stretch>
+            <a:fillRect/>
+          </a:stretch>
+        </p:blipFill>
+        <p:spPr>
+          <a:xfrm>
+            <a:off x="137484" y="2060848"/>
+            <a:ext cx="8869032" cy="2736304"/>
+          </a:xfrm>
+          <a:prstGeom prst="rect">
+            <a:avLst/>
+          </a:prstGeom>
+        </p:spPr>
+      </p:pic>
+    </p:spTree>
+    <p:extLst>
+      <p:ext uri="{BB962C8B-B14F-4D97-AF65-F5344CB8AC3E}">
+        <p14:creationId xmlns:p14="http://schemas.microsoft.com/office/powerpoint/2010/main" val="3284065292"/>
+      </p:ext>
+    </p:extLst>
+  </p:cSld>
+  <p:clrMapOvr>
+    <a:masterClrMapping/>
+  </p:clrMapOvr>
+</p:sld>
+</file>
+
+<file path=ppt/slides/slide4.xml><?xml version="1.0" encoding="utf-8"?>
+<p:sld xmlns:a="http://schemas.openxmlformats.org/drawingml/2006/main" xmlns:r="http://schemas.openxmlformats.org/officeDocument/2006/relationships" xmlns:p="http://schemas.openxmlformats.org/presentationml/2006/main">
+  <p:cSld>
+    <p:spTree>
+      <p:nvGrpSpPr>
+        <p:cNvPr id="1" name=""/>
+        <p:cNvGrpSpPr/>
+        <p:nvPr/>
+      </p:nvGrpSpPr>
+      <p:grpSpPr>
+        <a:xfrm>
+          <a:off x="0" y="0"/>
+          <a:ext cx="0" cy="0"/>
+          <a:chOff x="0" y="0"/>
+          <a:chExt cx="0" cy="0"/>
+        </a:xfrm>
+      </p:grpSpPr>
+      <p:pic>
+        <p:nvPicPr>
+          <p:cNvPr id="6" name="그림 5">
+            <a:extLst>
+              <a:ext uri="{FF2B5EF4-FFF2-40B4-BE49-F238E27FC236}">
+                <a16:creationId xmlns:a16="http://schemas.microsoft.com/office/drawing/2014/main" id="{F6DBD0D1-B9B0-4F08-8174-1ACB9B1A1233}"/>
+              </a:ext>
+            </a:extLst>
+          </p:cNvPr>
+          <p:cNvPicPr>
+            <a:picLocks noChangeAspect="1"/>
+          </p:cNvPicPr>
+          <p:nvPr/>
+        </p:nvPicPr>
+        <p:blipFill>
+          <a:blip r:embed="rId2"/>
+          <a:stretch>
+            <a:fillRect/>
+          </a:stretch>
+        </p:blipFill>
+        <p:spPr>
+          <a:xfrm>
+            <a:off x="137484" y="2060848"/>
+            <a:ext cx="8869032" cy="2736304"/>
+          </a:xfrm>
+          <a:prstGeom prst="rect">
+            <a:avLst/>
+          </a:prstGeom>
+        </p:spPr>
+      </p:pic>
+    </p:spTree>
+    <p:extLst>
+      <p:ext uri="{BB962C8B-B14F-4D97-AF65-F5344CB8AC3E}">
+        <p14:creationId xmlns:p14="http://schemas.microsoft.com/office/powerpoint/2010/main" val="405132236"/>
+      </p:ext>
+    </p:extLst>
+  </p:cSld>
+  <p:clrMapOvr>
+    <a:masterClrMapping/>
+  </p:clrMapOvr>
+</p:sld>
+</file>
+
 <file path=ppt/theme/theme1.xml><?xml version="1.0" encoding="utf-8"?>
 <a:theme xmlns:a="http://schemas.openxmlformats.org/drawingml/2006/main" name="Office 테마">
   <a:themeElements>
